--- a/資料/データフロー図_DB.pptx
+++ b/資料/データフロー図_DB.pptx
@@ -4097,8 +4097,8 @@
         </p:nvCxnSpPr>
         <p:spPr>
           <a:xfrm>
-            <a:off x="4267343" y="1744373"/>
-            <a:ext cx="929243" cy="13128"/>
+            <a:off x="4213555" y="1744373"/>
+            <a:ext cx="983031" cy="13128"/>
           </a:xfrm>
           <a:prstGeom prst="straightConnector1">
             <a:avLst/>
@@ -4134,7 +4134,7 @@
         </p:nvSpPr>
         <p:spPr>
           <a:xfrm>
-            <a:off x="2895743" y="1058573"/>
+            <a:off x="2841955" y="1058573"/>
             <a:ext cx="1371600" cy="1371600"/>
           </a:xfrm>
           <a:prstGeom prst="ellipse">
@@ -4300,7 +4300,7 @@
         <p:spPr>
           <a:xfrm>
             <a:off x="6044038" y="2376798"/>
-            <a:ext cx="0" cy="869194"/>
+            <a:ext cx="0" cy="936429"/>
           </a:xfrm>
           <a:prstGeom prst="straightConnector1">
             <a:avLst/>
@@ -4336,7 +4336,7 @@
         </p:nvSpPr>
         <p:spPr>
           <a:xfrm>
-            <a:off x="5358238" y="3245992"/>
+            <a:off x="5358238" y="3313227"/>
             <a:ext cx="1371600" cy="1371600"/>
           </a:xfrm>
           <a:prstGeom prst="ellipse">
@@ -4500,9 +4500,9 @@
           <p:nvPr/>
         </p:nvCxnSpPr>
         <p:spPr>
-          <a:xfrm flipH="1">
+          <a:xfrm flipH="1" flipV="1">
             <a:off x="2234146" y="3931792"/>
-            <a:ext cx="3124092" cy="0"/>
+            <a:ext cx="3124092" cy="67235"/>
           </a:xfrm>
           <a:prstGeom prst="straightConnector1">
             <a:avLst/>
@@ -4983,7 +4983,7 @@
         </p:nvSpPr>
         <p:spPr>
           <a:xfrm>
-            <a:off x="9749555" y="2833726"/>
+            <a:off x="9749555" y="2820279"/>
             <a:ext cx="2058294" cy="2350500"/>
           </a:xfrm>
           <a:prstGeom prst="rect">
@@ -5189,9 +5189,9 @@
           <p:nvPr/>
         </p:nvCxnSpPr>
         <p:spPr>
-          <a:xfrm>
-            <a:off x="6729838" y="3931792"/>
-            <a:ext cx="3019717" cy="77184"/>
+          <a:xfrm flipV="1">
+            <a:off x="6729838" y="3995529"/>
+            <a:ext cx="3019717" cy="3498"/>
           </a:xfrm>
           <a:prstGeom prst="straightConnector1">
             <a:avLst/>
@@ -5351,7 +5351,7 @@
         </p:nvSpPr>
         <p:spPr>
           <a:xfrm>
-            <a:off x="4013088" y="1450320"/>
+            <a:off x="3984105" y="1427793"/>
             <a:ext cx="1385739" cy="333862"/>
           </a:xfrm>
           <a:prstGeom prst="rect">
@@ -5384,7 +5384,7 @@
           <a:p>
             <a:pPr algn="ctr"/>
             <a:r>
-              <a:rPr kumimoji="1" lang="ja-JP" altLang="en-US" sz="1400" dirty="0" smtClean="0">
+              <a:rPr lang="ja-JP" altLang="en-US" sz="1400" dirty="0">
                 <a:solidFill>
                   <a:schemeClr val="tx1"/>
                 </a:solidFill>
@@ -5392,7 +5392,18 @@
                 <a:ea typeface="メイリオ" panose="020B0604030504040204" pitchFamily="50" charset="-128"/>
                 <a:cs typeface="メイリオ" panose="020B0604030504040204" pitchFamily="50" charset="-128"/>
               </a:rPr>
-              <a:t>投稿情報</a:t>
+              <a:t>追加</a:t>
+            </a:r>
+            <a:r>
+              <a:rPr kumimoji="1" lang="en-US" altLang="ja-JP" sz="1400" dirty="0" smtClean="0">
+                <a:solidFill>
+                  <a:schemeClr val="tx1"/>
+                </a:solidFill>
+                <a:latin typeface="メイリオ" panose="020B0604030504040204" pitchFamily="50" charset="-128"/>
+                <a:ea typeface="メイリオ" panose="020B0604030504040204" pitchFamily="50" charset="-128"/>
+                <a:cs typeface="メイリオ" panose="020B0604030504040204" pitchFamily="50" charset="-128"/>
+              </a:rPr>
+              <a:t>SQL</a:t>
             </a:r>
             <a:endParaRPr kumimoji="1" lang="ja-JP" altLang="en-US" sz="1400" dirty="0">
               <a:solidFill>
@@ -5454,7 +5465,18 @@
                 <a:ea typeface="メイリオ" panose="020B0604030504040204" pitchFamily="50" charset="-128"/>
                 <a:cs typeface="メイリオ" panose="020B0604030504040204" pitchFamily="50" charset="-128"/>
               </a:rPr>
-              <a:t>削除番号</a:t>
+              <a:t>削除</a:t>
+            </a:r>
+            <a:r>
+              <a:rPr kumimoji="1" lang="en-US" altLang="ja-JP" sz="1400" dirty="0" smtClean="0">
+                <a:solidFill>
+                  <a:schemeClr val="tx1"/>
+                </a:solidFill>
+                <a:latin typeface="メイリオ" panose="020B0604030504040204" pitchFamily="50" charset="-128"/>
+                <a:ea typeface="メイリオ" panose="020B0604030504040204" pitchFamily="50" charset="-128"/>
+                <a:cs typeface="メイリオ" panose="020B0604030504040204" pitchFamily="50" charset="-128"/>
+              </a:rPr>
+              <a:t>SQL</a:t>
             </a:r>
             <a:endParaRPr kumimoji="1" lang="ja-JP" altLang="en-US" sz="1400" dirty="0">
               <a:solidFill>
